--- a/doc/images/images-mpi4py.pptx
+++ b/doc/images/images-mpi4py.pptx
@@ -12,7 +12,6 @@
     <p:sldId id="259" r:id="rId6"/>
     <p:sldId id="262" r:id="rId7"/>
     <p:sldId id="258" r:id="rId8"/>
-    <p:sldId id="263" r:id="rId9"/>
   </p:sldIdLst>
   <p:sldSz cx="12192000" cy="6858000"/>
   <p:notesSz cx="6858000" cy="9144000"/>
@@ -13807,2004 +13806,6 @@
 </p:sld>
 </file>
 
-<file path=ppt/slides/slide8.xml><?xml version="1.0" encoding="utf-8"?>
-<p:sld xmlns:a="http://schemas.openxmlformats.org/drawingml/2006/main" xmlns:r="http://schemas.openxmlformats.org/officeDocument/2006/relationships" xmlns:p="http://schemas.openxmlformats.org/presentationml/2006/main">
-  <p:cSld>
-    <p:spTree>
-      <p:nvGrpSpPr>
-        <p:cNvPr id="1" name=""/>
-        <p:cNvGrpSpPr/>
-        <p:nvPr/>
-      </p:nvGrpSpPr>
-      <p:grpSpPr>
-        <a:xfrm>
-          <a:off x="0" y="0"/>
-          <a:ext cx="0" cy="0"/>
-          <a:chOff x="0" y="0"/>
-          <a:chExt cx="0" cy="0"/>
-        </a:xfrm>
-      </p:grpSpPr>
-      <p:sp>
-        <p:nvSpPr>
-          <p:cNvPr id="8" name="Rounded Rectangle 7">
-            <a:extLst>
-              <a:ext uri="{FF2B5EF4-FFF2-40B4-BE49-F238E27FC236}">
-                <a16:creationId xmlns:a16="http://schemas.microsoft.com/office/drawing/2014/main" id="{D11A220F-CE94-E04D-B63F-D49E0A1C4B89}"/>
-              </a:ext>
-            </a:extLst>
-          </p:cNvPr>
-          <p:cNvSpPr/>
-          <p:nvPr/>
-        </p:nvSpPr>
-        <p:spPr>
-          <a:xfrm>
-            <a:off x="2982184" y="2140156"/>
-            <a:ext cx="641267" cy="641267"/>
-          </a:xfrm>
-          <a:prstGeom prst="roundRect">
-            <a:avLst/>
-          </a:prstGeom>
-          <a:gradFill flip="none" rotWithShape="1">
-            <a:gsLst>
-              <a:gs pos="0">
-                <a:schemeClr val="accent5">
-                  <a:lumMod val="5000"/>
-                  <a:lumOff val="95000"/>
-                </a:schemeClr>
-              </a:gs>
-              <a:gs pos="74000">
-                <a:schemeClr val="accent5">
-                  <a:lumMod val="45000"/>
-                  <a:lumOff val="55000"/>
-                </a:schemeClr>
-              </a:gs>
-              <a:gs pos="83000">
-                <a:schemeClr val="accent5">
-                  <a:lumMod val="45000"/>
-                  <a:lumOff val="55000"/>
-                </a:schemeClr>
-              </a:gs>
-              <a:gs pos="100000">
-                <a:schemeClr val="accent5">
-                  <a:lumMod val="30000"/>
-                  <a:lumOff val="70000"/>
-                </a:schemeClr>
-              </a:gs>
-            </a:gsLst>
-            <a:lin ang="5400000" scaled="1"/>
-            <a:tileRect/>
-          </a:gradFill>
-        </p:spPr>
-        <p:style>
-          <a:lnRef idx="2">
-            <a:schemeClr val="accent1">
-              <a:shade val="50000"/>
-            </a:schemeClr>
-          </a:lnRef>
-          <a:fillRef idx="1">
-            <a:schemeClr val="accent1"/>
-          </a:fillRef>
-          <a:effectRef idx="0">
-            <a:schemeClr val="accent1"/>
-          </a:effectRef>
-          <a:fontRef idx="minor">
-            <a:schemeClr val="lt1"/>
-          </a:fontRef>
-        </p:style>
-        <p:txBody>
-          <a:bodyPr rtlCol="0" anchor="ctr"/>
-          <a:lstStyle/>
-          <a:p>
-            <a:pPr algn="ctr"/>
-            <a:r>
-              <a:rPr lang="en-US" dirty="0">
-                <a:solidFill>
-                  <a:schemeClr val="tx1"/>
-                </a:solidFill>
-              </a:rPr>
-              <a:t>D0</a:t>
-            </a:r>
-          </a:p>
-        </p:txBody>
-      </p:sp>
-      <p:sp>
-        <p:nvSpPr>
-          <p:cNvPr id="10" name="Rounded Rectangle 9">
-            <a:extLst>
-              <a:ext uri="{FF2B5EF4-FFF2-40B4-BE49-F238E27FC236}">
-                <a16:creationId xmlns:a16="http://schemas.microsoft.com/office/drawing/2014/main" id="{F2DD7FB6-F02B-A644-AAA5-3F6B3ED31FCE}"/>
-              </a:ext>
-            </a:extLst>
-          </p:cNvPr>
-          <p:cNvSpPr/>
-          <p:nvPr/>
-        </p:nvSpPr>
-        <p:spPr>
-          <a:xfrm>
-            <a:off x="2983485" y="4446751"/>
-            <a:ext cx="641267" cy="641267"/>
-          </a:xfrm>
-          <a:prstGeom prst="roundRect">
-            <a:avLst/>
-          </a:prstGeom>
-          <a:gradFill flip="none" rotWithShape="1">
-            <a:gsLst>
-              <a:gs pos="0">
-                <a:schemeClr val="accent5">
-                  <a:lumMod val="5000"/>
-                  <a:lumOff val="95000"/>
-                </a:schemeClr>
-              </a:gs>
-              <a:gs pos="74000">
-                <a:schemeClr val="accent5">
-                  <a:lumMod val="45000"/>
-                  <a:lumOff val="55000"/>
-                </a:schemeClr>
-              </a:gs>
-              <a:gs pos="83000">
-                <a:schemeClr val="accent5">
-                  <a:lumMod val="45000"/>
-                  <a:lumOff val="55000"/>
-                </a:schemeClr>
-              </a:gs>
-              <a:gs pos="100000">
-                <a:schemeClr val="accent5">
-                  <a:lumMod val="30000"/>
-                  <a:lumOff val="70000"/>
-                </a:schemeClr>
-              </a:gs>
-            </a:gsLst>
-            <a:lin ang="5400000" scaled="1"/>
-            <a:tileRect/>
-          </a:gradFill>
-        </p:spPr>
-        <p:style>
-          <a:lnRef idx="2">
-            <a:schemeClr val="accent1">
-              <a:shade val="50000"/>
-            </a:schemeClr>
-          </a:lnRef>
-          <a:fillRef idx="1">
-            <a:schemeClr val="accent1"/>
-          </a:fillRef>
-          <a:effectRef idx="0">
-            <a:schemeClr val="accent1"/>
-          </a:effectRef>
-          <a:fontRef idx="minor">
-            <a:schemeClr val="lt1"/>
-          </a:fontRef>
-        </p:style>
-        <p:txBody>
-          <a:bodyPr rtlCol="0" anchor="ctr"/>
-          <a:lstStyle/>
-          <a:p>
-            <a:pPr algn="ctr"/>
-            <a:r>
-              <a:rPr lang="en-US" dirty="0">
-                <a:solidFill>
-                  <a:schemeClr val="tx1"/>
-                </a:solidFill>
-              </a:rPr>
-              <a:t>D3</a:t>
-            </a:r>
-          </a:p>
-        </p:txBody>
-      </p:sp>
-      <p:sp>
-        <p:nvSpPr>
-          <p:cNvPr id="11" name="Rounded Rectangle 10">
-            <a:extLst>
-              <a:ext uri="{FF2B5EF4-FFF2-40B4-BE49-F238E27FC236}">
-                <a16:creationId xmlns:a16="http://schemas.microsoft.com/office/drawing/2014/main" id="{4C8EE817-3131-6D4D-959D-EB2EE5E57F08}"/>
-              </a:ext>
-            </a:extLst>
-          </p:cNvPr>
-          <p:cNvSpPr/>
-          <p:nvPr/>
-        </p:nvSpPr>
-        <p:spPr>
-          <a:xfrm>
-            <a:off x="2983486" y="3677886"/>
-            <a:ext cx="641267" cy="641267"/>
-          </a:xfrm>
-          <a:prstGeom prst="roundRect">
-            <a:avLst/>
-          </a:prstGeom>
-          <a:gradFill flip="none" rotWithShape="1">
-            <a:gsLst>
-              <a:gs pos="0">
-                <a:schemeClr val="accent5">
-                  <a:lumMod val="5000"/>
-                  <a:lumOff val="95000"/>
-                </a:schemeClr>
-              </a:gs>
-              <a:gs pos="74000">
-                <a:schemeClr val="accent5">
-                  <a:lumMod val="45000"/>
-                  <a:lumOff val="55000"/>
-                </a:schemeClr>
-              </a:gs>
-              <a:gs pos="83000">
-                <a:schemeClr val="accent5">
-                  <a:lumMod val="45000"/>
-                  <a:lumOff val="55000"/>
-                </a:schemeClr>
-              </a:gs>
-              <a:gs pos="100000">
-                <a:schemeClr val="accent5">
-                  <a:lumMod val="30000"/>
-                  <a:lumOff val="70000"/>
-                </a:schemeClr>
-              </a:gs>
-            </a:gsLst>
-            <a:lin ang="5400000" scaled="1"/>
-            <a:tileRect/>
-          </a:gradFill>
-        </p:spPr>
-        <p:style>
-          <a:lnRef idx="2">
-            <a:schemeClr val="accent1">
-              <a:shade val="50000"/>
-            </a:schemeClr>
-          </a:lnRef>
-          <a:fillRef idx="1">
-            <a:schemeClr val="accent1"/>
-          </a:fillRef>
-          <a:effectRef idx="0">
-            <a:schemeClr val="accent1"/>
-          </a:effectRef>
-          <a:fontRef idx="minor">
-            <a:schemeClr val="lt1"/>
-          </a:fontRef>
-        </p:style>
-        <p:txBody>
-          <a:bodyPr rtlCol="0" anchor="ctr"/>
-          <a:lstStyle/>
-          <a:p>
-            <a:pPr algn="ctr"/>
-            <a:r>
-              <a:rPr lang="en-US" dirty="0">
-                <a:solidFill>
-                  <a:schemeClr val="tx1"/>
-                </a:solidFill>
-              </a:rPr>
-              <a:t>D2</a:t>
-            </a:r>
-          </a:p>
-        </p:txBody>
-      </p:sp>
-      <p:sp>
-        <p:nvSpPr>
-          <p:cNvPr id="12" name="Rounded Rectangle 11">
-            <a:extLst>
-              <a:ext uri="{FF2B5EF4-FFF2-40B4-BE49-F238E27FC236}">
-                <a16:creationId xmlns:a16="http://schemas.microsoft.com/office/drawing/2014/main" id="{CBC73F86-3905-F947-96B1-9BC6C1C3EF70}"/>
-              </a:ext>
-            </a:extLst>
-          </p:cNvPr>
-          <p:cNvSpPr/>
-          <p:nvPr/>
-        </p:nvSpPr>
-        <p:spPr>
-          <a:xfrm>
-            <a:off x="2983487" y="2909021"/>
-            <a:ext cx="641267" cy="641267"/>
-          </a:xfrm>
-          <a:prstGeom prst="roundRect">
-            <a:avLst/>
-          </a:prstGeom>
-          <a:gradFill flip="none" rotWithShape="1">
-            <a:gsLst>
-              <a:gs pos="0">
-                <a:schemeClr val="accent5">
-                  <a:lumMod val="5000"/>
-                  <a:lumOff val="95000"/>
-                </a:schemeClr>
-              </a:gs>
-              <a:gs pos="74000">
-                <a:schemeClr val="accent5">
-                  <a:lumMod val="45000"/>
-                  <a:lumOff val="55000"/>
-                </a:schemeClr>
-              </a:gs>
-              <a:gs pos="83000">
-                <a:schemeClr val="accent5">
-                  <a:lumMod val="45000"/>
-                  <a:lumOff val="55000"/>
-                </a:schemeClr>
-              </a:gs>
-              <a:gs pos="100000">
-                <a:schemeClr val="accent5">
-                  <a:lumMod val="30000"/>
-                  <a:lumOff val="70000"/>
-                </a:schemeClr>
-              </a:gs>
-            </a:gsLst>
-            <a:lin ang="5400000" scaled="1"/>
-            <a:tileRect/>
-          </a:gradFill>
-        </p:spPr>
-        <p:style>
-          <a:lnRef idx="2">
-            <a:schemeClr val="accent1">
-              <a:shade val="50000"/>
-            </a:schemeClr>
-          </a:lnRef>
-          <a:fillRef idx="1">
-            <a:schemeClr val="accent1"/>
-          </a:fillRef>
-          <a:effectRef idx="0">
-            <a:schemeClr val="accent1"/>
-          </a:effectRef>
-          <a:fontRef idx="minor">
-            <a:schemeClr val="lt1"/>
-          </a:fontRef>
-        </p:style>
-        <p:txBody>
-          <a:bodyPr rtlCol="0" anchor="ctr"/>
-          <a:lstStyle/>
-          <a:p>
-            <a:pPr algn="ctr"/>
-            <a:r>
-              <a:rPr lang="en-US" dirty="0">
-                <a:solidFill>
-                  <a:schemeClr val="tx1"/>
-                </a:solidFill>
-              </a:rPr>
-              <a:t>D1</a:t>
-            </a:r>
-          </a:p>
-        </p:txBody>
-      </p:sp>
-      <p:sp>
-        <p:nvSpPr>
-          <p:cNvPr id="14" name="TextBox 13">
-            <a:extLst>
-              <a:ext uri="{FF2B5EF4-FFF2-40B4-BE49-F238E27FC236}">
-                <a16:creationId xmlns:a16="http://schemas.microsoft.com/office/drawing/2014/main" id="{DE4770D9-8ADF-EE47-A021-5D23A31E9607}"/>
-              </a:ext>
-            </a:extLst>
-          </p:cNvPr>
-          <p:cNvSpPr txBox="1"/>
-          <p:nvPr/>
-        </p:nvSpPr>
-        <p:spPr>
-          <a:xfrm>
-            <a:off x="1842388" y="2276123"/>
-            <a:ext cx="816249" cy="369332"/>
-          </a:xfrm>
-          <a:prstGeom prst="rect">
-            <a:avLst/>
-          </a:prstGeom>
-          <a:noFill/>
-        </p:spPr>
-        <p:txBody>
-          <a:bodyPr wrap="none" rtlCol="0">
-            <a:spAutoFit/>
-          </a:bodyPr>
-          <a:lstStyle/>
-          <a:p>
-            <a:r>
-              <a:rPr lang="en-US" dirty="0"/>
-              <a:t>Rank 0</a:t>
-            </a:r>
-          </a:p>
-        </p:txBody>
-      </p:sp>
-      <p:sp>
-        <p:nvSpPr>
-          <p:cNvPr id="15" name="TextBox 14">
-            <a:extLst>
-              <a:ext uri="{FF2B5EF4-FFF2-40B4-BE49-F238E27FC236}">
-                <a16:creationId xmlns:a16="http://schemas.microsoft.com/office/drawing/2014/main" id="{31B118A3-1571-7145-BCD2-86F033D2D7D7}"/>
-              </a:ext>
-            </a:extLst>
-          </p:cNvPr>
-          <p:cNvSpPr txBox="1"/>
-          <p:nvPr/>
-        </p:nvSpPr>
-        <p:spPr>
-          <a:xfrm>
-            <a:off x="1842388" y="3044147"/>
-            <a:ext cx="816249" cy="369332"/>
-          </a:xfrm>
-          <a:prstGeom prst="rect">
-            <a:avLst/>
-          </a:prstGeom>
-          <a:noFill/>
-        </p:spPr>
-        <p:txBody>
-          <a:bodyPr wrap="none" rtlCol="0">
-            <a:spAutoFit/>
-          </a:bodyPr>
-          <a:lstStyle/>
-          <a:p>
-            <a:r>
-              <a:rPr lang="en-US" dirty="0"/>
-              <a:t>Rank 1</a:t>
-            </a:r>
-          </a:p>
-        </p:txBody>
-      </p:sp>
-      <p:sp>
-        <p:nvSpPr>
-          <p:cNvPr id="17" name="TextBox 16">
-            <a:extLst>
-              <a:ext uri="{FF2B5EF4-FFF2-40B4-BE49-F238E27FC236}">
-                <a16:creationId xmlns:a16="http://schemas.microsoft.com/office/drawing/2014/main" id="{551D0640-247F-E447-8676-EEC9BDCEE0EF}"/>
-              </a:ext>
-            </a:extLst>
-          </p:cNvPr>
-          <p:cNvSpPr txBox="1"/>
-          <p:nvPr/>
-        </p:nvSpPr>
-        <p:spPr>
-          <a:xfrm>
-            <a:off x="1842388" y="3813853"/>
-            <a:ext cx="816249" cy="369332"/>
-          </a:xfrm>
-          <a:prstGeom prst="rect">
-            <a:avLst/>
-          </a:prstGeom>
-          <a:noFill/>
-        </p:spPr>
-        <p:txBody>
-          <a:bodyPr wrap="none" rtlCol="0">
-            <a:spAutoFit/>
-          </a:bodyPr>
-          <a:lstStyle/>
-          <a:p>
-            <a:r>
-              <a:rPr lang="en-US" dirty="0"/>
-              <a:t>Rank 2</a:t>
-            </a:r>
-          </a:p>
-        </p:txBody>
-      </p:sp>
-      <p:sp>
-        <p:nvSpPr>
-          <p:cNvPr id="18" name="TextBox 17">
-            <a:extLst>
-              <a:ext uri="{FF2B5EF4-FFF2-40B4-BE49-F238E27FC236}">
-                <a16:creationId xmlns:a16="http://schemas.microsoft.com/office/drawing/2014/main" id="{3E341B3A-FB70-AD42-AFFB-89BF2E93798B}"/>
-              </a:ext>
-            </a:extLst>
-          </p:cNvPr>
-          <p:cNvSpPr txBox="1"/>
-          <p:nvPr/>
-        </p:nvSpPr>
-        <p:spPr>
-          <a:xfrm>
-            <a:off x="1844330" y="4582718"/>
-            <a:ext cx="816249" cy="369332"/>
-          </a:xfrm>
-          <a:prstGeom prst="rect">
-            <a:avLst/>
-          </a:prstGeom>
-          <a:noFill/>
-        </p:spPr>
-        <p:txBody>
-          <a:bodyPr wrap="none" rtlCol="0">
-            <a:spAutoFit/>
-          </a:bodyPr>
-          <a:lstStyle/>
-          <a:p>
-            <a:r>
-              <a:rPr lang="en-US" dirty="0"/>
-              <a:t>Rank 3</a:t>
-            </a:r>
-          </a:p>
-        </p:txBody>
-      </p:sp>
-      <p:sp>
-        <p:nvSpPr>
-          <p:cNvPr id="25" name="Rounded Rectangle 24">
-            <a:extLst>
-              <a:ext uri="{FF2B5EF4-FFF2-40B4-BE49-F238E27FC236}">
-                <a16:creationId xmlns:a16="http://schemas.microsoft.com/office/drawing/2014/main" id="{1CC8EE6C-80EE-A847-8EB9-B80D66D8F084}"/>
-              </a:ext>
-            </a:extLst>
-          </p:cNvPr>
-          <p:cNvSpPr/>
-          <p:nvPr/>
-        </p:nvSpPr>
-        <p:spPr>
-          <a:xfrm>
-            <a:off x="6096000" y="2140156"/>
-            <a:ext cx="641267" cy="641267"/>
-          </a:xfrm>
-          <a:prstGeom prst="roundRect">
-            <a:avLst/>
-          </a:prstGeom>
-          <a:gradFill flip="none" rotWithShape="1">
-            <a:gsLst>
-              <a:gs pos="0">
-                <a:schemeClr val="accent5">
-                  <a:lumMod val="5000"/>
-                  <a:lumOff val="95000"/>
-                </a:schemeClr>
-              </a:gs>
-              <a:gs pos="74000">
-                <a:schemeClr val="accent5">
-                  <a:lumMod val="45000"/>
-                  <a:lumOff val="55000"/>
-                </a:schemeClr>
-              </a:gs>
-              <a:gs pos="83000">
-                <a:schemeClr val="accent5">
-                  <a:lumMod val="45000"/>
-                  <a:lumOff val="55000"/>
-                </a:schemeClr>
-              </a:gs>
-              <a:gs pos="100000">
-                <a:schemeClr val="accent5">
-                  <a:lumMod val="30000"/>
-                  <a:lumOff val="70000"/>
-                </a:schemeClr>
-              </a:gs>
-            </a:gsLst>
-            <a:lin ang="5400000" scaled="1"/>
-            <a:tileRect/>
-          </a:gradFill>
-        </p:spPr>
-        <p:style>
-          <a:lnRef idx="2">
-            <a:schemeClr val="accent1">
-              <a:shade val="50000"/>
-            </a:schemeClr>
-          </a:lnRef>
-          <a:fillRef idx="1">
-            <a:schemeClr val="accent1"/>
-          </a:fillRef>
-          <a:effectRef idx="0">
-            <a:schemeClr val="accent1"/>
-          </a:effectRef>
-          <a:fontRef idx="minor">
-            <a:schemeClr val="lt1"/>
-          </a:fontRef>
-        </p:style>
-        <p:txBody>
-          <a:bodyPr rtlCol="0" anchor="ctr"/>
-          <a:lstStyle/>
-          <a:p>
-            <a:pPr algn="ctr"/>
-            <a:r>
-              <a:rPr lang="en-US" dirty="0">
-                <a:solidFill>
-                  <a:schemeClr val="tx1"/>
-                </a:solidFill>
-              </a:rPr>
-              <a:t>D0</a:t>
-            </a:r>
-          </a:p>
-        </p:txBody>
-      </p:sp>
-      <p:sp>
-        <p:nvSpPr>
-          <p:cNvPr id="26" name="Rounded Rectangle 25">
-            <a:extLst>
-              <a:ext uri="{FF2B5EF4-FFF2-40B4-BE49-F238E27FC236}">
-                <a16:creationId xmlns:a16="http://schemas.microsoft.com/office/drawing/2014/main" id="{33951AF1-57AE-B541-9856-D2C0D57172EA}"/>
-              </a:ext>
-            </a:extLst>
-          </p:cNvPr>
-          <p:cNvSpPr/>
-          <p:nvPr/>
-        </p:nvSpPr>
-        <p:spPr>
-          <a:xfrm>
-            <a:off x="6737267" y="2140156"/>
-            <a:ext cx="641267" cy="641267"/>
-          </a:xfrm>
-          <a:prstGeom prst="roundRect">
-            <a:avLst/>
-          </a:prstGeom>
-          <a:gradFill flip="none" rotWithShape="1">
-            <a:gsLst>
-              <a:gs pos="0">
-                <a:schemeClr val="accent5">
-                  <a:lumMod val="5000"/>
-                  <a:lumOff val="95000"/>
-                </a:schemeClr>
-              </a:gs>
-              <a:gs pos="74000">
-                <a:schemeClr val="accent5">
-                  <a:lumMod val="45000"/>
-                  <a:lumOff val="55000"/>
-                </a:schemeClr>
-              </a:gs>
-              <a:gs pos="83000">
-                <a:schemeClr val="accent5">
-                  <a:lumMod val="45000"/>
-                  <a:lumOff val="55000"/>
-                </a:schemeClr>
-              </a:gs>
-              <a:gs pos="100000">
-                <a:schemeClr val="accent5">
-                  <a:lumMod val="30000"/>
-                  <a:lumOff val="70000"/>
-                </a:schemeClr>
-              </a:gs>
-            </a:gsLst>
-            <a:lin ang="5400000" scaled="1"/>
-            <a:tileRect/>
-          </a:gradFill>
-        </p:spPr>
-        <p:style>
-          <a:lnRef idx="2">
-            <a:schemeClr val="accent1">
-              <a:shade val="50000"/>
-            </a:schemeClr>
-          </a:lnRef>
-          <a:fillRef idx="1">
-            <a:schemeClr val="accent1"/>
-          </a:fillRef>
-          <a:effectRef idx="0">
-            <a:schemeClr val="accent1"/>
-          </a:effectRef>
-          <a:fontRef idx="minor">
-            <a:schemeClr val="lt1"/>
-          </a:fontRef>
-        </p:style>
-        <p:txBody>
-          <a:bodyPr rtlCol="0" anchor="ctr"/>
-          <a:lstStyle/>
-          <a:p>
-            <a:pPr algn="ctr"/>
-            <a:r>
-              <a:rPr lang="en-US" dirty="0">
-                <a:solidFill>
-                  <a:schemeClr val="tx1"/>
-                </a:solidFill>
-              </a:rPr>
-              <a:t>D1</a:t>
-            </a:r>
-          </a:p>
-        </p:txBody>
-      </p:sp>
-      <p:sp>
-        <p:nvSpPr>
-          <p:cNvPr id="27" name="Rounded Rectangle 26">
-            <a:extLst>
-              <a:ext uri="{FF2B5EF4-FFF2-40B4-BE49-F238E27FC236}">
-                <a16:creationId xmlns:a16="http://schemas.microsoft.com/office/drawing/2014/main" id="{A668BB72-8BE3-EA47-97B0-BDB8479D9BED}"/>
-              </a:ext>
-            </a:extLst>
-          </p:cNvPr>
-          <p:cNvSpPr/>
-          <p:nvPr/>
-        </p:nvSpPr>
-        <p:spPr>
-          <a:xfrm>
-            <a:off x="7378534" y="2140156"/>
-            <a:ext cx="641267" cy="641267"/>
-          </a:xfrm>
-          <a:prstGeom prst="roundRect">
-            <a:avLst/>
-          </a:prstGeom>
-          <a:gradFill flip="none" rotWithShape="1">
-            <a:gsLst>
-              <a:gs pos="0">
-                <a:schemeClr val="accent5">
-                  <a:lumMod val="5000"/>
-                  <a:lumOff val="95000"/>
-                </a:schemeClr>
-              </a:gs>
-              <a:gs pos="74000">
-                <a:schemeClr val="accent5">
-                  <a:lumMod val="45000"/>
-                  <a:lumOff val="55000"/>
-                </a:schemeClr>
-              </a:gs>
-              <a:gs pos="83000">
-                <a:schemeClr val="accent5">
-                  <a:lumMod val="45000"/>
-                  <a:lumOff val="55000"/>
-                </a:schemeClr>
-              </a:gs>
-              <a:gs pos="100000">
-                <a:schemeClr val="accent5">
-                  <a:lumMod val="30000"/>
-                  <a:lumOff val="70000"/>
-                </a:schemeClr>
-              </a:gs>
-            </a:gsLst>
-            <a:lin ang="5400000" scaled="1"/>
-            <a:tileRect/>
-          </a:gradFill>
-        </p:spPr>
-        <p:style>
-          <a:lnRef idx="2">
-            <a:schemeClr val="accent1">
-              <a:shade val="50000"/>
-            </a:schemeClr>
-          </a:lnRef>
-          <a:fillRef idx="1">
-            <a:schemeClr val="accent1"/>
-          </a:fillRef>
-          <a:effectRef idx="0">
-            <a:schemeClr val="accent1"/>
-          </a:effectRef>
-          <a:fontRef idx="minor">
-            <a:schemeClr val="lt1"/>
-          </a:fontRef>
-        </p:style>
-        <p:txBody>
-          <a:bodyPr rtlCol="0" anchor="ctr"/>
-          <a:lstStyle/>
-          <a:p>
-            <a:pPr algn="ctr"/>
-            <a:r>
-              <a:rPr lang="en-US" dirty="0">
-                <a:solidFill>
-                  <a:schemeClr val="tx1"/>
-                </a:solidFill>
-              </a:rPr>
-              <a:t>D2</a:t>
-            </a:r>
-          </a:p>
-        </p:txBody>
-      </p:sp>
-      <p:sp>
-        <p:nvSpPr>
-          <p:cNvPr id="28" name="Rounded Rectangle 27">
-            <a:extLst>
-              <a:ext uri="{FF2B5EF4-FFF2-40B4-BE49-F238E27FC236}">
-                <a16:creationId xmlns:a16="http://schemas.microsoft.com/office/drawing/2014/main" id="{BC9DE9AE-7012-794B-A136-AD2D3069B211}"/>
-              </a:ext>
-            </a:extLst>
-          </p:cNvPr>
-          <p:cNvSpPr/>
-          <p:nvPr/>
-        </p:nvSpPr>
-        <p:spPr>
-          <a:xfrm>
-            <a:off x="8019801" y="2140156"/>
-            <a:ext cx="641267" cy="641267"/>
-          </a:xfrm>
-          <a:prstGeom prst="roundRect">
-            <a:avLst/>
-          </a:prstGeom>
-          <a:gradFill flip="none" rotWithShape="1">
-            <a:gsLst>
-              <a:gs pos="0">
-                <a:schemeClr val="accent5">
-                  <a:lumMod val="5000"/>
-                  <a:lumOff val="95000"/>
-                </a:schemeClr>
-              </a:gs>
-              <a:gs pos="74000">
-                <a:schemeClr val="accent5">
-                  <a:lumMod val="45000"/>
-                  <a:lumOff val="55000"/>
-                </a:schemeClr>
-              </a:gs>
-              <a:gs pos="83000">
-                <a:schemeClr val="accent5">
-                  <a:lumMod val="45000"/>
-                  <a:lumOff val="55000"/>
-                </a:schemeClr>
-              </a:gs>
-              <a:gs pos="100000">
-                <a:schemeClr val="accent5">
-                  <a:lumMod val="30000"/>
-                  <a:lumOff val="70000"/>
-                </a:schemeClr>
-              </a:gs>
-            </a:gsLst>
-            <a:lin ang="5400000" scaled="1"/>
-            <a:tileRect/>
-          </a:gradFill>
-        </p:spPr>
-        <p:style>
-          <a:lnRef idx="2">
-            <a:schemeClr val="accent1">
-              <a:shade val="50000"/>
-            </a:schemeClr>
-          </a:lnRef>
-          <a:fillRef idx="1">
-            <a:schemeClr val="accent1"/>
-          </a:fillRef>
-          <a:effectRef idx="0">
-            <a:schemeClr val="accent1"/>
-          </a:effectRef>
-          <a:fontRef idx="minor">
-            <a:schemeClr val="lt1"/>
-          </a:fontRef>
-        </p:style>
-        <p:txBody>
-          <a:bodyPr rtlCol="0" anchor="ctr"/>
-          <a:lstStyle/>
-          <a:p>
-            <a:pPr algn="ctr"/>
-            <a:r>
-              <a:rPr lang="en-US" dirty="0">
-                <a:solidFill>
-                  <a:schemeClr val="tx1"/>
-                </a:solidFill>
-              </a:rPr>
-              <a:t>D3</a:t>
-            </a:r>
-          </a:p>
-        </p:txBody>
-      </p:sp>
-      <p:sp>
-        <p:nvSpPr>
-          <p:cNvPr id="29" name="Rounded Rectangle 28">
-            <a:extLst>
-              <a:ext uri="{FF2B5EF4-FFF2-40B4-BE49-F238E27FC236}">
-                <a16:creationId xmlns:a16="http://schemas.microsoft.com/office/drawing/2014/main" id="{67713292-1D7B-6F4E-8733-2187ADBFF060}"/>
-              </a:ext>
-            </a:extLst>
-          </p:cNvPr>
-          <p:cNvSpPr/>
-          <p:nvPr/>
-        </p:nvSpPr>
-        <p:spPr>
-          <a:xfrm>
-            <a:off x="6096000" y="2912550"/>
-            <a:ext cx="641267" cy="641267"/>
-          </a:xfrm>
-          <a:prstGeom prst="roundRect">
-            <a:avLst/>
-          </a:prstGeom>
-          <a:gradFill flip="none" rotWithShape="1">
-            <a:gsLst>
-              <a:gs pos="0">
-                <a:schemeClr val="accent5">
-                  <a:lumMod val="5000"/>
-                  <a:lumOff val="95000"/>
-                </a:schemeClr>
-              </a:gs>
-              <a:gs pos="74000">
-                <a:schemeClr val="accent5">
-                  <a:lumMod val="45000"/>
-                  <a:lumOff val="55000"/>
-                </a:schemeClr>
-              </a:gs>
-              <a:gs pos="83000">
-                <a:schemeClr val="accent5">
-                  <a:lumMod val="45000"/>
-                  <a:lumOff val="55000"/>
-                </a:schemeClr>
-              </a:gs>
-              <a:gs pos="100000">
-                <a:schemeClr val="accent5">
-                  <a:lumMod val="30000"/>
-                  <a:lumOff val="70000"/>
-                </a:schemeClr>
-              </a:gs>
-            </a:gsLst>
-            <a:lin ang="5400000" scaled="1"/>
-            <a:tileRect/>
-          </a:gradFill>
-        </p:spPr>
-        <p:style>
-          <a:lnRef idx="2">
-            <a:schemeClr val="accent1">
-              <a:shade val="50000"/>
-            </a:schemeClr>
-          </a:lnRef>
-          <a:fillRef idx="1">
-            <a:schemeClr val="accent1"/>
-          </a:fillRef>
-          <a:effectRef idx="0">
-            <a:schemeClr val="accent1"/>
-          </a:effectRef>
-          <a:fontRef idx="minor">
-            <a:schemeClr val="lt1"/>
-          </a:fontRef>
-        </p:style>
-        <p:txBody>
-          <a:bodyPr rtlCol="0" anchor="ctr"/>
-          <a:lstStyle/>
-          <a:p>
-            <a:pPr algn="ctr"/>
-            <a:r>
-              <a:rPr lang="en-US" dirty="0">
-                <a:solidFill>
-                  <a:schemeClr val="tx1"/>
-                </a:solidFill>
-              </a:rPr>
-              <a:t>D0</a:t>
-            </a:r>
-          </a:p>
-        </p:txBody>
-      </p:sp>
-      <p:sp>
-        <p:nvSpPr>
-          <p:cNvPr id="30" name="Rounded Rectangle 29">
-            <a:extLst>
-              <a:ext uri="{FF2B5EF4-FFF2-40B4-BE49-F238E27FC236}">
-                <a16:creationId xmlns:a16="http://schemas.microsoft.com/office/drawing/2014/main" id="{84E8677B-8B38-BE45-849B-441EC6533180}"/>
-              </a:ext>
-            </a:extLst>
-          </p:cNvPr>
-          <p:cNvSpPr/>
-          <p:nvPr/>
-        </p:nvSpPr>
-        <p:spPr>
-          <a:xfrm>
-            <a:off x="6737267" y="2912550"/>
-            <a:ext cx="641267" cy="641267"/>
-          </a:xfrm>
-          <a:prstGeom prst="roundRect">
-            <a:avLst/>
-          </a:prstGeom>
-          <a:gradFill flip="none" rotWithShape="1">
-            <a:gsLst>
-              <a:gs pos="0">
-                <a:schemeClr val="accent5">
-                  <a:lumMod val="5000"/>
-                  <a:lumOff val="95000"/>
-                </a:schemeClr>
-              </a:gs>
-              <a:gs pos="74000">
-                <a:schemeClr val="accent5">
-                  <a:lumMod val="45000"/>
-                  <a:lumOff val="55000"/>
-                </a:schemeClr>
-              </a:gs>
-              <a:gs pos="83000">
-                <a:schemeClr val="accent5">
-                  <a:lumMod val="45000"/>
-                  <a:lumOff val="55000"/>
-                </a:schemeClr>
-              </a:gs>
-              <a:gs pos="100000">
-                <a:schemeClr val="accent5">
-                  <a:lumMod val="30000"/>
-                  <a:lumOff val="70000"/>
-                </a:schemeClr>
-              </a:gs>
-            </a:gsLst>
-            <a:lin ang="5400000" scaled="1"/>
-            <a:tileRect/>
-          </a:gradFill>
-        </p:spPr>
-        <p:style>
-          <a:lnRef idx="2">
-            <a:schemeClr val="accent1">
-              <a:shade val="50000"/>
-            </a:schemeClr>
-          </a:lnRef>
-          <a:fillRef idx="1">
-            <a:schemeClr val="accent1"/>
-          </a:fillRef>
-          <a:effectRef idx="0">
-            <a:schemeClr val="accent1"/>
-          </a:effectRef>
-          <a:fontRef idx="minor">
-            <a:schemeClr val="lt1"/>
-          </a:fontRef>
-        </p:style>
-        <p:txBody>
-          <a:bodyPr rtlCol="0" anchor="ctr"/>
-          <a:lstStyle/>
-          <a:p>
-            <a:pPr algn="ctr"/>
-            <a:r>
-              <a:rPr lang="en-US" dirty="0">
-                <a:solidFill>
-                  <a:schemeClr val="tx1"/>
-                </a:solidFill>
-              </a:rPr>
-              <a:t>D1</a:t>
-            </a:r>
-          </a:p>
-        </p:txBody>
-      </p:sp>
-      <p:sp>
-        <p:nvSpPr>
-          <p:cNvPr id="31" name="Rounded Rectangle 30">
-            <a:extLst>
-              <a:ext uri="{FF2B5EF4-FFF2-40B4-BE49-F238E27FC236}">
-                <a16:creationId xmlns:a16="http://schemas.microsoft.com/office/drawing/2014/main" id="{9FC2E470-1655-4E40-9E4F-42297588AA89}"/>
-              </a:ext>
-            </a:extLst>
-          </p:cNvPr>
-          <p:cNvSpPr/>
-          <p:nvPr/>
-        </p:nvSpPr>
-        <p:spPr>
-          <a:xfrm>
-            <a:off x="7378534" y="2912550"/>
-            <a:ext cx="641267" cy="641267"/>
-          </a:xfrm>
-          <a:prstGeom prst="roundRect">
-            <a:avLst/>
-          </a:prstGeom>
-          <a:gradFill flip="none" rotWithShape="1">
-            <a:gsLst>
-              <a:gs pos="0">
-                <a:schemeClr val="accent5">
-                  <a:lumMod val="5000"/>
-                  <a:lumOff val="95000"/>
-                </a:schemeClr>
-              </a:gs>
-              <a:gs pos="74000">
-                <a:schemeClr val="accent5">
-                  <a:lumMod val="45000"/>
-                  <a:lumOff val="55000"/>
-                </a:schemeClr>
-              </a:gs>
-              <a:gs pos="83000">
-                <a:schemeClr val="accent5">
-                  <a:lumMod val="45000"/>
-                  <a:lumOff val="55000"/>
-                </a:schemeClr>
-              </a:gs>
-              <a:gs pos="100000">
-                <a:schemeClr val="accent5">
-                  <a:lumMod val="30000"/>
-                  <a:lumOff val="70000"/>
-                </a:schemeClr>
-              </a:gs>
-            </a:gsLst>
-            <a:lin ang="5400000" scaled="1"/>
-            <a:tileRect/>
-          </a:gradFill>
-        </p:spPr>
-        <p:style>
-          <a:lnRef idx="2">
-            <a:schemeClr val="accent1">
-              <a:shade val="50000"/>
-            </a:schemeClr>
-          </a:lnRef>
-          <a:fillRef idx="1">
-            <a:schemeClr val="accent1"/>
-          </a:fillRef>
-          <a:effectRef idx="0">
-            <a:schemeClr val="accent1"/>
-          </a:effectRef>
-          <a:fontRef idx="minor">
-            <a:schemeClr val="lt1"/>
-          </a:fontRef>
-        </p:style>
-        <p:txBody>
-          <a:bodyPr rtlCol="0" anchor="ctr"/>
-          <a:lstStyle/>
-          <a:p>
-            <a:pPr algn="ctr"/>
-            <a:r>
-              <a:rPr lang="en-US" dirty="0">
-                <a:solidFill>
-                  <a:schemeClr val="tx1"/>
-                </a:solidFill>
-              </a:rPr>
-              <a:t>D2</a:t>
-            </a:r>
-          </a:p>
-        </p:txBody>
-      </p:sp>
-      <p:sp>
-        <p:nvSpPr>
-          <p:cNvPr id="32" name="Rounded Rectangle 31">
-            <a:extLst>
-              <a:ext uri="{FF2B5EF4-FFF2-40B4-BE49-F238E27FC236}">
-                <a16:creationId xmlns:a16="http://schemas.microsoft.com/office/drawing/2014/main" id="{2820967E-1AA7-CF4C-86C0-38638039B197}"/>
-              </a:ext>
-            </a:extLst>
-          </p:cNvPr>
-          <p:cNvSpPr/>
-          <p:nvPr/>
-        </p:nvSpPr>
-        <p:spPr>
-          <a:xfrm>
-            <a:off x="8019801" y="2912550"/>
-            <a:ext cx="641267" cy="641267"/>
-          </a:xfrm>
-          <a:prstGeom prst="roundRect">
-            <a:avLst/>
-          </a:prstGeom>
-          <a:gradFill flip="none" rotWithShape="1">
-            <a:gsLst>
-              <a:gs pos="0">
-                <a:schemeClr val="accent5">
-                  <a:lumMod val="5000"/>
-                  <a:lumOff val="95000"/>
-                </a:schemeClr>
-              </a:gs>
-              <a:gs pos="74000">
-                <a:schemeClr val="accent5">
-                  <a:lumMod val="45000"/>
-                  <a:lumOff val="55000"/>
-                </a:schemeClr>
-              </a:gs>
-              <a:gs pos="83000">
-                <a:schemeClr val="accent5">
-                  <a:lumMod val="45000"/>
-                  <a:lumOff val="55000"/>
-                </a:schemeClr>
-              </a:gs>
-              <a:gs pos="100000">
-                <a:schemeClr val="accent5">
-                  <a:lumMod val="30000"/>
-                  <a:lumOff val="70000"/>
-                </a:schemeClr>
-              </a:gs>
-            </a:gsLst>
-            <a:lin ang="5400000" scaled="1"/>
-            <a:tileRect/>
-          </a:gradFill>
-        </p:spPr>
-        <p:style>
-          <a:lnRef idx="2">
-            <a:schemeClr val="accent1">
-              <a:shade val="50000"/>
-            </a:schemeClr>
-          </a:lnRef>
-          <a:fillRef idx="1">
-            <a:schemeClr val="accent1"/>
-          </a:fillRef>
-          <a:effectRef idx="0">
-            <a:schemeClr val="accent1"/>
-          </a:effectRef>
-          <a:fontRef idx="minor">
-            <a:schemeClr val="lt1"/>
-          </a:fontRef>
-        </p:style>
-        <p:txBody>
-          <a:bodyPr rtlCol="0" anchor="ctr"/>
-          <a:lstStyle/>
-          <a:p>
-            <a:pPr algn="ctr"/>
-            <a:r>
-              <a:rPr lang="en-US" dirty="0">
-                <a:solidFill>
-                  <a:schemeClr val="tx1"/>
-                </a:solidFill>
-              </a:rPr>
-              <a:t>D3</a:t>
-            </a:r>
-          </a:p>
-        </p:txBody>
-      </p:sp>
-      <p:sp>
-        <p:nvSpPr>
-          <p:cNvPr id="33" name="Rounded Rectangle 32">
-            <a:extLst>
-              <a:ext uri="{FF2B5EF4-FFF2-40B4-BE49-F238E27FC236}">
-                <a16:creationId xmlns:a16="http://schemas.microsoft.com/office/drawing/2014/main" id="{76E2ADD2-5912-2E44-B016-A882EE3A7D44}"/>
-              </a:ext>
-            </a:extLst>
-          </p:cNvPr>
-          <p:cNvSpPr/>
-          <p:nvPr/>
-        </p:nvSpPr>
-        <p:spPr>
-          <a:xfrm>
-            <a:off x="6096000" y="3677886"/>
-            <a:ext cx="641267" cy="641267"/>
-          </a:xfrm>
-          <a:prstGeom prst="roundRect">
-            <a:avLst/>
-          </a:prstGeom>
-          <a:gradFill flip="none" rotWithShape="1">
-            <a:gsLst>
-              <a:gs pos="0">
-                <a:schemeClr val="accent5">
-                  <a:lumMod val="5000"/>
-                  <a:lumOff val="95000"/>
-                </a:schemeClr>
-              </a:gs>
-              <a:gs pos="74000">
-                <a:schemeClr val="accent5">
-                  <a:lumMod val="45000"/>
-                  <a:lumOff val="55000"/>
-                </a:schemeClr>
-              </a:gs>
-              <a:gs pos="83000">
-                <a:schemeClr val="accent5">
-                  <a:lumMod val="45000"/>
-                  <a:lumOff val="55000"/>
-                </a:schemeClr>
-              </a:gs>
-              <a:gs pos="100000">
-                <a:schemeClr val="accent5">
-                  <a:lumMod val="30000"/>
-                  <a:lumOff val="70000"/>
-                </a:schemeClr>
-              </a:gs>
-            </a:gsLst>
-            <a:lin ang="5400000" scaled="1"/>
-            <a:tileRect/>
-          </a:gradFill>
-        </p:spPr>
-        <p:style>
-          <a:lnRef idx="2">
-            <a:schemeClr val="accent1">
-              <a:shade val="50000"/>
-            </a:schemeClr>
-          </a:lnRef>
-          <a:fillRef idx="1">
-            <a:schemeClr val="accent1"/>
-          </a:fillRef>
-          <a:effectRef idx="0">
-            <a:schemeClr val="accent1"/>
-          </a:effectRef>
-          <a:fontRef idx="minor">
-            <a:schemeClr val="lt1"/>
-          </a:fontRef>
-        </p:style>
-        <p:txBody>
-          <a:bodyPr rtlCol="0" anchor="ctr"/>
-          <a:lstStyle/>
-          <a:p>
-            <a:pPr algn="ctr"/>
-            <a:r>
-              <a:rPr lang="en-US" dirty="0">
-                <a:solidFill>
-                  <a:schemeClr val="tx1"/>
-                </a:solidFill>
-              </a:rPr>
-              <a:t>D0</a:t>
-            </a:r>
-          </a:p>
-        </p:txBody>
-      </p:sp>
-      <p:sp>
-        <p:nvSpPr>
-          <p:cNvPr id="34" name="Rounded Rectangle 33">
-            <a:extLst>
-              <a:ext uri="{FF2B5EF4-FFF2-40B4-BE49-F238E27FC236}">
-                <a16:creationId xmlns:a16="http://schemas.microsoft.com/office/drawing/2014/main" id="{A44B906F-E3AF-C744-B27E-D6AA56FE731F}"/>
-              </a:ext>
-            </a:extLst>
-          </p:cNvPr>
-          <p:cNvSpPr/>
-          <p:nvPr/>
-        </p:nvSpPr>
-        <p:spPr>
-          <a:xfrm>
-            <a:off x="6737267" y="3677886"/>
-            <a:ext cx="641267" cy="641267"/>
-          </a:xfrm>
-          <a:prstGeom prst="roundRect">
-            <a:avLst/>
-          </a:prstGeom>
-          <a:gradFill flip="none" rotWithShape="1">
-            <a:gsLst>
-              <a:gs pos="0">
-                <a:schemeClr val="accent5">
-                  <a:lumMod val="5000"/>
-                  <a:lumOff val="95000"/>
-                </a:schemeClr>
-              </a:gs>
-              <a:gs pos="74000">
-                <a:schemeClr val="accent5">
-                  <a:lumMod val="45000"/>
-                  <a:lumOff val="55000"/>
-                </a:schemeClr>
-              </a:gs>
-              <a:gs pos="83000">
-                <a:schemeClr val="accent5">
-                  <a:lumMod val="45000"/>
-                  <a:lumOff val="55000"/>
-                </a:schemeClr>
-              </a:gs>
-              <a:gs pos="100000">
-                <a:schemeClr val="accent5">
-                  <a:lumMod val="30000"/>
-                  <a:lumOff val="70000"/>
-                </a:schemeClr>
-              </a:gs>
-            </a:gsLst>
-            <a:lin ang="5400000" scaled="1"/>
-            <a:tileRect/>
-          </a:gradFill>
-        </p:spPr>
-        <p:style>
-          <a:lnRef idx="2">
-            <a:schemeClr val="accent1">
-              <a:shade val="50000"/>
-            </a:schemeClr>
-          </a:lnRef>
-          <a:fillRef idx="1">
-            <a:schemeClr val="accent1"/>
-          </a:fillRef>
-          <a:effectRef idx="0">
-            <a:schemeClr val="accent1"/>
-          </a:effectRef>
-          <a:fontRef idx="minor">
-            <a:schemeClr val="lt1"/>
-          </a:fontRef>
-        </p:style>
-        <p:txBody>
-          <a:bodyPr rtlCol="0" anchor="ctr"/>
-          <a:lstStyle/>
-          <a:p>
-            <a:pPr algn="ctr"/>
-            <a:r>
-              <a:rPr lang="en-US" dirty="0">
-                <a:solidFill>
-                  <a:schemeClr val="tx1"/>
-                </a:solidFill>
-              </a:rPr>
-              <a:t>D1</a:t>
-            </a:r>
-          </a:p>
-        </p:txBody>
-      </p:sp>
-      <p:sp>
-        <p:nvSpPr>
-          <p:cNvPr id="35" name="Rounded Rectangle 34">
-            <a:extLst>
-              <a:ext uri="{FF2B5EF4-FFF2-40B4-BE49-F238E27FC236}">
-                <a16:creationId xmlns:a16="http://schemas.microsoft.com/office/drawing/2014/main" id="{7E178D16-8337-F240-82C7-2E4F6F6D42AB}"/>
-              </a:ext>
-            </a:extLst>
-          </p:cNvPr>
-          <p:cNvSpPr/>
-          <p:nvPr/>
-        </p:nvSpPr>
-        <p:spPr>
-          <a:xfrm>
-            <a:off x="7378534" y="3677886"/>
-            <a:ext cx="641267" cy="641267"/>
-          </a:xfrm>
-          <a:prstGeom prst="roundRect">
-            <a:avLst/>
-          </a:prstGeom>
-          <a:gradFill flip="none" rotWithShape="1">
-            <a:gsLst>
-              <a:gs pos="0">
-                <a:schemeClr val="accent5">
-                  <a:lumMod val="5000"/>
-                  <a:lumOff val="95000"/>
-                </a:schemeClr>
-              </a:gs>
-              <a:gs pos="74000">
-                <a:schemeClr val="accent5">
-                  <a:lumMod val="45000"/>
-                  <a:lumOff val="55000"/>
-                </a:schemeClr>
-              </a:gs>
-              <a:gs pos="83000">
-                <a:schemeClr val="accent5">
-                  <a:lumMod val="45000"/>
-                  <a:lumOff val="55000"/>
-                </a:schemeClr>
-              </a:gs>
-              <a:gs pos="100000">
-                <a:schemeClr val="accent5">
-                  <a:lumMod val="30000"/>
-                  <a:lumOff val="70000"/>
-                </a:schemeClr>
-              </a:gs>
-            </a:gsLst>
-            <a:lin ang="5400000" scaled="1"/>
-            <a:tileRect/>
-          </a:gradFill>
-        </p:spPr>
-        <p:style>
-          <a:lnRef idx="2">
-            <a:schemeClr val="accent1">
-              <a:shade val="50000"/>
-            </a:schemeClr>
-          </a:lnRef>
-          <a:fillRef idx="1">
-            <a:schemeClr val="accent1"/>
-          </a:fillRef>
-          <a:effectRef idx="0">
-            <a:schemeClr val="accent1"/>
-          </a:effectRef>
-          <a:fontRef idx="minor">
-            <a:schemeClr val="lt1"/>
-          </a:fontRef>
-        </p:style>
-        <p:txBody>
-          <a:bodyPr rtlCol="0" anchor="ctr"/>
-          <a:lstStyle/>
-          <a:p>
-            <a:pPr algn="ctr"/>
-            <a:r>
-              <a:rPr lang="en-US" dirty="0">
-                <a:solidFill>
-                  <a:schemeClr val="tx1"/>
-                </a:solidFill>
-              </a:rPr>
-              <a:t>D2</a:t>
-            </a:r>
-          </a:p>
-        </p:txBody>
-      </p:sp>
-      <p:sp>
-        <p:nvSpPr>
-          <p:cNvPr id="36" name="Rounded Rectangle 35">
-            <a:extLst>
-              <a:ext uri="{FF2B5EF4-FFF2-40B4-BE49-F238E27FC236}">
-                <a16:creationId xmlns:a16="http://schemas.microsoft.com/office/drawing/2014/main" id="{13D4EF41-2B8E-554B-ADC8-F558AFAF1858}"/>
-              </a:ext>
-            </a:extLst>
-          </p:cNvPr>
-          <p:cNvSpPr/>
-          <p:nvPr/>
-        </p:nvSpPr>
-        <p:spPr>
-          <a:xfrm>
-            <a:off x="8019801" y="3677886"/>
-            <a:ext cx="641267" cy="641267"/>
-          </a:xfrm>
-          <a:prstGeom prst="roundRect">
-            <a:avLst/>
-          </a:prstGeom>
-          <a:gradFill flip="none" rotWithShape="1">
-            <a:gsLst>
-              <a:gs pos="0">
-                <a:schemeClr val="accent5">
-                  <a:lumMod val="5000"/>
-                  <a:lumOff val="95000"/>
-                </a:schemeClr>
-              </a:gs>
-              <a:gs pos="74000">
-                <a:schemeClr val="accent5">
-                  <a:lumMod val="45000"/>
-                  <a:lumOff val="55000"/>
-                </a:schemeClr>
-              </a:gs>
-              <a:gs pos="83000">
-                <a:schemeClr val="accent5">
-                  <a:lumMod val="45000"/>
-                  <a:lumOff val="55000"/>
-                </a:schemeClr>
-              </a:gs>
-              <a:gs pos="100000">
-                <a:schemeClr val="accent5">
-                  <a:lumMod val="30000"/>
-                  <a:lumOff val="70000"/>
-                </a:schemeClr>
-              </a:gs>
-            </a:gsLst>
-            <a:lin ang="5400000" scaled="1"/>
-            <a:tileRect/>
-          </a:gradFill>
-        </p:spPr>
-        <p:style>
-          <a:lnRef idx="2">
-            <a:schemeClr val="accent1">
-              <a:shade val="50000"/>
-            </a:schemeClr>
-          </a:lnRef>
-          <a:fillRef idx="1">
-            <a:schemeClr val="accent1"/>
-          </a:fillRef>
-          <a:effectRef idx="0">
-            <a:schemeClr val="accent1"/>
-          </a:effectRef>
-          <a:fontRef idx="minor">
-            <a:schemeClr val="lt1"/>
-          </a:fontRef>
-        </p:style>
-        <p:txBody>
-          <a:bodyPr rtlCol="0" anchor="ctr"/>
-          <a:lstStyle/>
-          <a:p>
-            <a:pPr algn="ctr"/>
-            <a:r>
-              <a:rPr lang="en-US" dirty="0">
-                <a:solidFill>
-                  <a:schemeClr val="tx1"/>
-                </a:solidFill>
-              </a:rPr>
-              <a:t>D3</a:t>
-            </a:r>
-          </a:p>
-        </p:txBody>
-      </p:sp>
-      <p:sp>
-        <p:nvSpPr>
-          <p:cNvPr id="37" name="Rounded Rectangle 36">
-            <a:extLst>
-              <a:ext uri="{FF2B5EF4-FFF2-40B4-BE49-F238E27FC236}">
-                <a16:creationId xmlns:a16="http://schemas.microsoft.com/office/drawing/2014/main" id="{03A8636B-DB63-A740-ACB1-638B7902B2E9}"/>
-              </a:ext>
-            </a:extLst>
-          </p:cNvPr>
-          <p:cNvSpPr/>
-          <p:nvPr/>
-        </p:nvSpPr>
-        <p:spPr>
-          <a:xfrm>
-            <a:off x="6096000" y="4446751"/>
-            <a:ext cx="641267" cy="641267"/>
-          </a:xfrm>
-          <a:prstGeom prst="roundRect">
-            <a:avLst/>
-          </a:prstGeom>
-          <a:gradFill flip="none" rotWithShape="1">
-            <a:gsLst>
-              <a:gs pos="0">
-                <a:schemeClr val="accent5">
-                  <a:lumMod val="5000"/>
-                  <a:lumOff val="95000"/>
-                </a:schemeClr>
-              </a:gs>
-              <a:gs pos="74000">
-                <a:schemeClr val="accent5">
-                  <a:lumMod val="45000"/>
-                  <a:lumOff val="55000"/>
-                </a:schemeClr>
-              </a:gs>
-              <a:gs pos="83000">
-                <a:schemeClr val="accent5">
-                  <a:lumMod val="45000"/>
-                  <a:lumOff val="55000"/>
-                </a:schemeClr>
-              </a:gs>
-              <a:gs pos="100000">
-                <a:schemeClr val="accent5">
-                  <a:lumMod val="30000"/>
-                  <a:lumOff val="70000"/>
-                </a:schemeClr>
-              </a:gs>
-            </a:gsLst>
-            <a:lin ang="5400000" scaled="1"/>
-            <a:tileRect/>
-          </a:gradFill>
-        </p:spPr>
-        <p:style>
-          <a:lnRef idx="2">
-            <a:schemeClr val="accent1">
-              <a:shade val="50000"/>
-            </a:schemeClr>
-          </a:lnRef>
-          <a:fillRef idx="1">
-            <a:schemeClr val="accent1"/>
-          </a:fillRef>
-          <a:effectRef idx="0">
-            <a:schemeClr val="accent1"/>
-          </a:effectRef>
-          <a:fontRef idx="minor">
-            <a:schemeClr val="lt1"/>
-          </a:fontRef>
-        </p:style>
-        <p:txBody>
-          <a:bodyPr rtlCol="0" anchor="ctr"/>
-          <a:lstStyle/>
-          <a:p>
-            <a:pPr algn="ctr"/>
-            <a:r>
-              <a:rPr lang="en-US" dirty="0">
-                <a:solidFill>
-                  <a:schemeClr val="tx1"/>
-                </a:solidFill>
-              </a:rPr>
-              <a:t>D0</a:t>
-            </a:r>
-          </a:p>
-        </p:txBody>
-      </p:sp>
-      <p:sp>
-        <p:nvSpPr>
-          <p:cNvPr id="38" name="Rounded Rectangle 37">
-            <a:extLst>
-              <a:ext uri="{FF2B5EF4-FFF2-40B4-BE49-F238E27FC236}">
-                <a16:creationId xmlns:a16="http://schemas.microsoft.com/office/drawing/2014/main" id="{7438FEC9-C9D4-3845-9D2A-73159DEEF6FD}"/>
-              </a:ext>
-            </a:extLst>
-          </p:cNvPr>
-          <p:cNvSpPr/>
-          <p:nvPr/>
-        </p:nvSpPr>
-        <p:spPr>
-          <a:xfrm>
-            <a:off x="6737267" y="4446751"/>
-            <a:ext cx="641267" cy="641267"/>
-          </a:xfrm>
-          <a:prstGeom prst="roundRect">
-            <a:avLst/>
-          </a:prstGeom>
-          <a:gradFill flip="none" rotWithShape="1">
-            <a:gsLst>
-              <a:gs pos="0">
-                <a:schemeClr val="accent5">
-                  <a:lumMod val="5000"/>
-                  <a:lumOff val="95000"/>
-                </a:schemeClr>
-              </a:gs>
-              <a:gs pos="74000">
-                <a:schemeClr val="accent5">
-                  <a:lumMod val="45000"/>
-                  <a:lumOff val="55000"/>
-                </a:schemeClr>
-              </a:gs>
-              <a:gs pos="83000">
-                <a:schemeClr val="accent5">
-                  <a:lumMod val="45000"/>
-                  <a:lumOff val="55000"/>
-                </a:schemeClr>
-              </a:gs>
-              <a:gs pos="100000">
-                <a:schemeClr val="accent5">
-                  <a:lumMod val="30000"/>
-                  <a:lumOff val="70000"/>
-                </a:schemeClr>
-              </a:gs>
-            </a:gsLst>
-            <a:lin ang="5400000" scaled="1"/>
-            <a:tileRect/>
-          </a:gradFill>
-        </p:spPr>
-        <p:style>
-          <a:lnRef idx="2">
-            <a:schemeClr val="accent1">
-              <a:shade val="50000"/>
-            </a:schemeClr>
-          </a:lnRef>
-          <a:fillRef idx="1">
-            <a:schemeClr val="accent1"/>
-          </a:fillRef>
-          <a:effectRef idx="0">
-            <a:schemeClr val="accent1"/>
-          </a:effectRef>
-          <a:fontRef idx="minor">
-            <a:schemeClr val="lt1"/>
-          </a:fontRef>
-        </p:style>
-        <p:txBody>
-          <a:bodyPr rtlCol="0" anchor="ctr"/>
-          <a:lstStyle/>
-          <a:p>
-            <a:pPr algn="ctr"/>
-            <a:r>
-              <a:rPr lang="en-US" dirty="0">
-                <a:solidFill>
-                  <a:schemeClr val="tx1"/>
-                </a:solidFill>
-              </a:rPr>
-              <a:t>D1</a:t>
-            </a:r>
-          </a:p>
-        </p:txBody>
-      </p:sp>
-      <p:sp>
-        <p:nvSpPr>
-          <p:cNvPr id="39" name="Rounded Rectangle 38">
-            <a:extLst>
-              <a:ext uri="{FF2B5EF4-FFF2-40B4-BE49-F238E27FC236}">
-                <a16:creationId xmlns:a16="http://schemas.microsoft.com/office/drawing/2014/main" id="{8EF674B2-E882-B545-82FA-C366C44CED33}"/>
-              </a:ext>
-            </a:extLst>
-          </p:cNvPr>
-          <p:cNvSpPr/>
-          <p:nvPr/>
-        </p:nvSpPr>
-        <p:spPr>
-          <a:xfrm>
-            <a:off x="7378534" y="4446751"/>
-            <a:ext cx="641267" cy="641267"/>
-          </a:xfrm>
-          <a:prstGeom prst="roundRect">
-            <a:avLst/>
-          </a:prstGeom>
-          <a:gradFill flip="none" rotWithShape="1">
-            <a:gsLst>
-              <a:gs pos="0">
-                <a:schemeClr val="accent5">
-                  <a:lumMod val="5000"/>
-                  <a:lumOff val="95000"/>
-                </a:schemeClr>
-              </a:gs>
-              <a:gs pos="74000">
-                <a:schemeClr val="accent5">
-                  <a:lumMod val="45000"/>
-                  <a:lumOff val="55000"/>
-                </a:schemeClr>
-              </a:gs>
-              <a:gs pos="83000">
-                <a:schemeClr val="accent5">
-                  <a:lumMod val="45000"/>
-                  <a:lumOff val="55000"/>
-                </a:schemeClr>
-              </a:gs>
-              <a:gs pos="100000">
-                <a:schemeClr val="accent5">
-                  <a:lumMod val="30000"/>
-                  <a:lumOff val="70000"/>
-                </a:schemeClr>
-              </a:gs>
-            </a:gsLst>
-            <a:lin ang="5400000" scaled="1"/>
-            <a:tileRect/>
-          </a:gradFill>
-        </p:spPr>
-        <p:style>
-          <a:lnRef idx="2">
-            <a:schemeClr val="accent1">
-              <a:shade val="50000"/>
-            </a:schemeClr>
-          </a:lnRef>
-          <a:fillRef idx="1">
-            <a:schemeClr val="accent1"/>
-          </a:fillRef>
-          <a:effectRef idx="0">
-            <a:schemeClr val="accent1"/>
-          </a:effectRef>
-          <a:fontRef idx="minor">
-            <a:schemeClr val="lt1"/>
-          </a:fontRef>
-        </p:style>
-        <p:txBody>
-          <a:bodyPr rtlCol="0" anchor="ctr"/>
-          <a:lstStyle/>
-          <a:p>
-            <a:pPr algn="ctr"/>
-            <a:r>
-              <a:rPr lang="en-US" dirty="0">
-                <a:solidFill>
-                  <a:schemeClr val="tx1"/>
-                </a:solidFill>
-              </a:rPr>
-              <a:t>D2</a:t>
-            </a:r>
-          </a:p>
-        </p:txBody>
-      </p:sp>
-      <p:sp>
-        <p:nvSpPr>
-          <p:cNvPr id="40" name="Rounded Rectangle 39">
-            <a:extLst>
-              <a:ext uri="{FF2B5EF4-FFF2-40B4-BE49-F238E27FC236}">
-                <a16:creationId xmlns:a16="http://schemas.microsoft.com/office/drawing/2014/main" id="{95E90D99-12F6-264B-969E-C2026D46774F}"/>
-              </a:ext>
-            </a:extLst>
-          </p:cNvPr>
-          <p:cNvSpPr/>
-          <p:nvPr/>
-        </p:nvSpPr>
-        <p:spPr>
-          <a:xfrm>
-            <a:off x="8019801" y="4446751"/>
-            <a:ext cx="641267" cy="641267"/>
-          </a:xfrm>
-          <a:prstGeom prst="roundRect">
-            <a:avLst/>
-          </a:prstGeom>
-          <a:gradFill flip="none" rotWithShape="1">
-            <a:gsLst>
-              <a:gs pos="0">
-                <a:schemeClr val="accent5">
-                  <a:lumMod val="5000"/>
-                  <a:lumOff val="95000"/>
-                </a:schemeClr>
-              </a:gs>
-              <a:gs pos="74000">
-                <a:schemeClr val="accent5">
-                  <a:lumMod val="45000"/>
-                  <a:lumOff val="55000"/>
-                </a:schemeClr>
-              </a:gs>
-              <a:gs pos="83000">
-                <a:schemeClr val="accent5">
-                  <a:lumMod val="45000"/>
-                  <a:lumOff val="55000"/>
-                </a:schemeClr>
-              </a:gs>
-              <a:gs pos="100000">
-                <a:schemeClr val="accent5">
-                  <a:lumMod val="30000"/>
-                  <a:lumOff val="70000"/>
-                </a:schemeClr>
-              </a:gs>
-            </a:gsLst>
-            <a:lin ang="5400000" scaled="1"/>
-            <a:tileRect/>
-          </a:gradFill>
-        </p:spPr>
-        <p:style>
-          <a:lnRef idx="2">
-            <a:schemeClr val="accent1">
-              <a:shade val="50000"/>
-            </a:schemeClr>
-          </a:lnRef>
-          <a:fillRef idx="1">
-            <a:schemeClr val="accent1"/>
-          </a:fillRef>
-          <a:effectRef idx="0">
-            <a:schemeClr val="accent1"/>
-          </a:effectRef>
-          <a:fontRef idx="minor">
-            <a:schemeClr val="lt1"/>
-          </a:fontRef>
-        </p:style>
-        <p:txBody>
-          <a:bodyPr rtlCol="0" anchor="ctr"/>
-          <a:lstStyle/>
-          <a:p>
-            <a:pPr algn="ctr"/>
-            <a:r>
-              <a:rPr lang="en-US" dirty="0">
-                <a:solidFill>
-                  <a:schemeClr val="tx1"/>
-                </a:solidFill>
-              </a:rPr>
-              <a:t>D3</a:t>
-            </a:r>
-          </a:p>
-        </p:txBody>
-      </p:sp>
-      <p:cxnSp>
-        <p:nvCxnSpPr>
-          <p:cNvPr id="41" name="Straight Arrow Connector 40">
-            <a:extLst>
-              <a:ext uri="{FF2B5EF4-FFF2-40B4-BE49-F238E27FC236}">
-                <a16:creationId xmlns:a16="http://schemas.microsoft.com/office/drawing/2014/main" id="{3C57C4B0-C89E-EC4D-AD6E-E63799437C59}"/>
-              </a:ext>
-            </a:extLst>
-          </p:cNvPr>
-          <p:cNvCxnSpPr>
-            <a:cxnSpLocks/>
-          </p:cNvCxnSpPr>
-          <p:nvPr/>
-        </p:nvCxnSpPr>
-        <p:spPr>
-          <a:xfrm flipV="1">
-            <a:off x="3623451" y="2460790"/>
-            <a:ext cx="2472549" cy="11202"/>
-          </a:xfrm>
-          <a:prstGeom prst="straightConnector1">
-            <a:avLst/>
-          </a:prstGeom>
-          <a:ln w="50800" cap="sq">
-            <a:headEnd type="oval"/>
-            <a:tailEnd type="triangle"/>
-          </a:ln>
-        </p:spPr>
-        <p:style>
-          <a:lnRef idx="1">
-            <a:schemeClr val="accent1"/>
-          </a:lnRef>
-          <a:fillRef idx="0">
-            <a:schemeClr val="accent1"/>
-          </a:fillRef>
-          <a:effectRef idx="0">
-            <a:schemeClr val="accent1"/>
-          </a:effectRef>
-          <a:fontRef idx="minor">
-            <a:schemeClr val="tx1"/>
-          </a:fontRef>
-        </p:style>
-      </p:cxnSp>
-      <p:cxnSp>
-        <p:nvCxnSpPr>
-          <p:cNvPr id="46" name="Straight Arrow Connector 45">
-            <a:extLst>
-              <a:ext uri="{FF2B5EF4-FFF2-40B4-BE49-F238E27FC236}">
-                <a16:creationId xmlns:a16="http://schemas.microsoft.com/office/drawing/2014/main" id="{CFAB6266-8B93-0F47-B363-5E1900B5C9A5}"/>
-              </a:ext>
-            </a:extLst>
-          </p:cNvPr>
-          <p:cNvCxnSpPr>
-            <a:cxnSpLocks/>
-          </p:cNvCxnSpPr>
-          <p:nvPr/>
-        </p:nvCxnSpPr>
-        <p:spPr>
-          <a:xfrm flipV="1">
-            <a:off x="3623450" y="3222851"/>
-            <a:ext cx="2472549" cy="11202"/>
-          </a:xfrm>
-          <a:prstGeom prst="straightConnector1">
-            <a:avLst/>
-          </a:prstGeom>
-          <a:ln w="50800" cap="sq">
-            <a:headEnd type="oval"/>
-            <a:tailEnd type="triangle"/>
-          </a:ln>
-        </p:spPr>
-        <p:style>
-          <a:lnRef idx="1">
-            <a:schemeClr val="accent1"/>
-          </a:lnRef>
-          <a:fillRef idx="0">
-            <a:schemeClr val="accent1"/>
-          </a:fillRef>
-          <a:effectRef idx="0">
-            <a:schemeClr val="accent1"/>
-          </a:effectRef>
-          <a:fontRef idx="minor">
-            <a:schemeClr val="tx1"/>
-          </a:fontRef>
-        </p:style>
-      </p:cxnSp>
-      <p:cxnSp>
-        <p:nvCxnSpPr>
-          <p:cNvPr id="47" name="Straight Arrow Connector 46">
-            <a:extLst>
-              <a:ext uri="{FF2B5EF4-FFF2-40B4-BE49-F238E27FC236}">
-                <a16:creationId xmlns:a16="http://schemas.microsoft.com/office/drawing/2014/main" id="{122C991B-A23F-EF44-934F-928FA7EB0141}"/>
-              </a:ext>
-            </a:extLst>
-          </p:cNvPr>
-          <p:cNvCxnSpPr>
-            <a:cxnSpLocks/>
-          </p:cNvCxnSpPr>
-          <p:nvPr/>
-        </p:nvCxnSpPr>
-        <p:spPr>
-          <a:xfrm flipV="1">
-            <a:off x="3623450" y="3984912"/>
-            <a:ext cx="2472549" cy="11202"/>
-          </a:xfrm>
-          <a:prstGeom prst="straightConnector1">
-            <a:avLst/>
-          </a:prstGeom>
-          <a:ln w="50800" cap="sq">
-            <a:headEnd type="oval"/>
-            <a:tailEnd type="triangle"/>
-          </a:ln>
-        </p:spPr>
-        <p:style>
-          <a:lnRef idx="1">
-            <a:schemeClr val="accent1"/>
-          </a:lnRef>
-          <a:fillRef idx="0">
-            <a:schemeClr val="accent1"/>
-          </a:fillRef>
-          <a:effectRef idx="0">
-            <a:schemeClr val="accent1"/>
-          </a:effectRef>
-          <a:fontRef idx="minor">
-            <a:schemeClr val="tx1"/>
-          </a:fontRef>
-        </p:style>
-      </p:cxnSp>
-      <p:cxnSp>
-        <p:nvCxnSpPr>
-          <p:cNvPr id="48" name="Straight Arrow Connector 47">
-            <a:extLst>
-              <a:ext uri="{FF2B5EF4-FFF2-40B4-BE49-F238E27FC236}">
-                <a16:creationId xmlns:a16="http://schemas.microsoft.com/office/drawing/2014/main" id="{1CE01970-F208-B241-9A86-A93DD7ABD610}"/>
-              </a:ext>
-            </a:extLst>
-          </p:cNvPr>
-          <p:cNvCxnSpPr>
-            <a:cxnSpLocks/>
-          </p:cNvCxnSpPr>
-          <p:nvPr/>
-        </p:nvCxnSpPr>
-        <p:spPr>
-          <a:xfrm flipV="1">
-            <a:off x="3623450" y="4749905"/>
-            <a:ext cx="2472549" cy="11202"/>
-          </a:xfrm>
-          <a:prstGeom prst="straightConnector1">
-            <a:avLst/>
-          </a:prstGeom>
-          <a:ln w="50800" cap="sq">
-            <a:headEnd type="oval"/>
-            <a:tailEnd type="triangle"/>
-          </a:ln>
-        </p:spPr>
-        <p:style>
-          <a:lnRef idx="1">
-            <a:schemeClr val="accent1"/>
-          </a:lnRef>
-          <a:fillRef idx="0">
-            <a:schemeClr val="accent1"/>
-          </a:fillRef>
-          <a:effectRef idx="0">
-            <a:schemeClr val="accent1"/>
-          </a:effectRef>
-          <a:fontRef idx="minor">
-            <a:schemeClr val="tx1"/>
-          </a:fontRef>
-        </p:style>
-      </p:cxnSp>
-    </p:spTree>
-    <p:extLst>
-      <p:ext uri="{BB962C8B-B14F-4D97-AF65-F5344CB8AC3E}">
-        <p14:creationId xmlns:p14="http://schemas.microsoft.com/office/powerpoint/2010/main" val="189289828"/>
-      </p:ext>
-    </p:extLst>
-  </p:cSld>
-  <p:clrMapOvr>
-    <a:masterClrMapping/>
-  </p:clrMapOvr>
-</p:sld>
-</file>
-
 <file path=ppt/theme/theme1.xml><?xml version="1.0" encoding="utf-8"?>
 <a:theme xmlns:a="http://schemas.openxmlformats.org/drawingml/2006/main" name="Office Theme">
   <a:themeElements>
